--- a/Hive assignment - Jagadish -  v1.0.pptx
+++ b/Hive assignment - Jagadish -  v1.0.pptx
@@ -24,6 +24,7 @@
     <p:sldId id="284" r:id="rId18"/>
     <p:sldId id="281" r:id="rId19"/>
     <p:sldId id="283" r:id="rId20"/>
+    <p:sldId id="287" r:id="rId21"/>
   </p:sldIdLst>
   <p:sldSz cx="12192000" cy="6858000"/>
   <p:notesSz cx="6858000" cy="9144000"/>
@@ -4064,7 +4065,7 @@
         </p:nvSpPr>
         <p:spPr>
           <a:xfrm>
-            <a:off x="582306" y="497558"/>
+            <a:off x="427631" y="320173"/>
             <a:ext cx="8030725" cy="369332"/>
           </a:xfrm>
           <a:prstGeom prst="rect">
@@ -4110,8 +4111,8 @@
         </p:nvSpPr>
         <p:spPr>
           <a:xfrm>
-            <a:off x="582306" y="1174232"/>
-            <a:ext cx="11541456" cy="1754326"/>
+            <a:off x="448102" y="785157"/>
+            <a:ext cx="11541456" cy="2308324"/>
           </a:xfrm>
           <a:prstGeom prst="rect">
             <a:avLst/>
@@ -4142,9 +4143,9 @@
             </a:r>
           </a:p>
           <a:p>
-            <a:pPr marL="342900" indent="-342900">
-              <a:buFont typeface="+mj-lt"/>
-              <a:buAutoNum type="arabicPeriod"/>
+            <a:pPr marL="285750" indent="-285750">
+              <a:buFont typeface="Arial" panose="020B0604020202020204" pitchFamily="34" charset="0"/>
+              <a:buChar char="•"/>
             </a:pPr>
             <a:r>
               <a:rPr lang="en-US" dirty="0">
@@ -4152,7 +4153,7 @@
                   <a:srgbClr val="0070C0"/>
                 </a:solidFill>
               </a:rPr>
-              <a:t>select StreetCode1, StreetCode2, StreetCode3 from </a:t>
+              <a:t>select substring(</a:t>
             </a:r>
             <a:r>
               <a:rPr lang="en-US" dirty="0" err="1">
@@ -4160,6 +4161,38 @@
                   <a:srgbClr val="0070C0"/>
                 </a:solidFill>
               </a:rPr>
+              <a:t>ViolationTime</a:t>
+            </a:r>
+            <a:r>
+              <a:rPr lang="en-US" dirty="0">
+                <a:solidFill>
+                  <a:srgbClr val="0070C0"/>
+                </a:solidFill>
+              </a:rPr>
+              <a:t>, 1,2), count(*) as </a:t>
+            </a:r>
+            <a:r>
+              <a:rPr lang="en-US" dirty="0" err="1">
+                <a:solidFill>
+                  <a:srgbClr val="0070C0"/>
+                </a:solidFill>
+              </a:rPr>
+              <a:t>violationsCountINAM</a:t>
+            </a:r>
+            <a:r>
+              <a:rPr lang="en-US" dirty="0">
+                <a:solidFill>
+                  <a:srgbClr val="0070C0"/>
+                </a:solidFill>
+              </a:rPr>
+              <a:t> from </a:t>
+            </a:r>
+            <a:r>
+              <a:rPr lang="en-US" dirty="0" err="1">
+                <a:solidFill>
+                  <a:srgbClr val="0070C0"/>
+                </a:solidFill>
+              </a:rPr>
               <a:t>parkingviolations</a:t>
             </a:r>
             <a:r>
@@ -4168,13 +4201,77 @@
                   <a:srgbClr val="0070C0"/>
                 </a:solidFill>
               </a:rPr>
-              <a:t> where StreetCode1 is null or StreetCode2 is null or StreetCode1 is null;</a:t>
-            </a:r>
-          </a:p>
-          <a:p>
-            <a:pPr marL="342900" indent="-342900">
-              <a:buFont typeface="+mj-lt"/>
-              <a:buAutoNum type="arabicPeriod"/>
+              <a:t> where </a:t>
+            </a:r>
+            <a:r>
+              <a:rPr lang="en-US" dirty="0" err="1">
+                <a:solidFill>
+                  <a:srgbClr val="0070C0"/>
+                </a:solidFill>
+              </a:rPr>
+              <a:t>IssueDate</a:t>
+            </a:r>
+            <a:r>
+              <a:rPr lang="en-US" dirty="0">
+                <a:solidFill>
+                  <a:srgbClr val="0070C0"/>
+                </a:solidFill>
+              </a:rPr>
+              <a:t> like '%2017' and upper(substring(</a:t>
+            </a:r>
+            <a:r>
+              <a:rPr lang="en-US" dirty="0" err="1">
+                <a:solidFill>
+                  <a:srgbClr val="0070C0"/>
+                </a:solidFill>
+              </a:rPr>
+              <a:t>ViolationTime</a:t>
+            </a:r>
+            <a:r>
+              <a:rPr lang="en-US" dirty="0">
+                <a:solidFill>
+                  <a:srgbClr val="0070C0"/>
+                </a:solidFill>
+              </a:rPr>
+              <a:t>, -1)) ='A' group by substring(</a:t>
+            </a:r>
+            <a:r>
+              <a:rPr lang="en-US" dirty="0" err="1">
+                <a:solidFill>
+                  <a:srgbClr val="0070C0"/>
+                </a:solidFill>
+              </a:rPr>
+              <a:t>ViolationTime</a:t>
+            </a:r>
+            <a:r>
+              <a:rPr lang="en-US" dirty="0">
+                <a:solidFill>
+                  <a:srgbClr val="0070C0"/>
+                </a:solidFill>
+              </a:rPr>
+              <a:t>, 1, 2) order by </a:t>
+            </a:r>
+            <a:r>
+              <a:rPr lang="en-US" dirty="0" err="1">
+                <a:solidFill>
+                  <a:srgbClr val="0070C0"/>
+                </a:solidFill>
+              </a:rPr>
+              <a:t>violationsCountINAM</a:t>
+            </a:r>
+            <a:r>
+              <a:rPr lang="en-US" dirty="0">
+                <a:solidFill>
+                  <a:srgbClr val="0070C0"/>
+                </a:solidFill>
+              </a:rPr>
+              <a:t> desc; </a:t>
+            </a:r>
+          </a:p>
+          <a:p>
+            <a:pPr marL="285750" indent="-285750">
+              <a:buFont typeface="Arial" panose="020B0604020202020204" pitchFamily="34" charset="0"/>
+              <a:buChar char="•"/>
             </a:pPr>
             <a:r>
               <a:rPr lang="en-US" dirty="0">
@@ -4182,7 +4279,7 @@
                   <a:srgbClr val="0070C0"/>
                 </a:solidFill>
               </a:rPr>
-              <a:t>select count(*) from </a:t>
+              <a:t>select substring(</a:t>
             </a:r>
             <a:r>
               <a:rPr lang="en-US" dirty="0" err="1">
@@ -4190,6 +4287,38 @@
                   <a:srgbClr val="0070C0"/>
                 </a:solidFill>
               </a:rPr>
+              <a:t>ViolationTime</a:t>
+            </a:r>
+            <a:r>
+              <a:rPr lang="en-US" dirty="0">
+                <a:solidFill>
+                  <a:srgbClr val="0070C0"/>
+                </a:solidFill>
+              </a:rPr>
+              <a:t>, 1,2), count(*) as </a:t>
+            </a:r>
+            <a:r>
+              <a:rPr lang="en-US" dirty="0" err="1">
+                <a:solidFill>
+                  <a:srgbClr val="0070C0"/>
+                </a:solidFill>
+              </a:rPr>
+              <a:t>violationcountINPM</a:t>
+            </a:r>
+            <a:r>
+              <a:rPr lang="en-US" dirty="0">
+                <a:solidFill>
+                  <a:srgbClr val="0070C0"/>
+                </a:solidFill>
+              </a:rPr>
+              <a:t> from </a:t>
+            </a:r>
+            <a:r>
+              <a:rPr lang="en-US" dirty="0" err="1">
+                <a:solidFill>
+                  <a:srgbClr val="0070C0"/>
+                </a:solidFill>
+              </a:rPr>
               <a:t>parkingviolations</a:t>
             </a:r>
             <a:r>
@@ -4198,17 +4327,78 @@
                   <a:srgbClr val="0070C0"/>
                 </a:solidFill>
               </a:rPr>
-              <a:t> where StreetCode1 is null or StreetCode2 is null or StreetCode1 is null;</a:t>
-            </a:r>
-          </a:p>
-          <a:p>
-            <a:endParaRPr lang="en-US" dirty="0">
-              <a:solidFill>
-                <a:srgbClr val="0070C0"/>
-              </a:solidFill>
-            </a:endParaRPr>
-          </a:p>
-          <a:p>
+              <a:t> where </a:t>
+            </a:r>
+            <a:r>
+              <a:rPr lang="en-US" dirty="0" err="1">
+                <a:solidFill>
+                  <a:srgbClr val="0070C0"/>
+                </a:solidFill>
+              </a:rPr>
+              <a:t>IssueDate</a:t>
+            </a:r>
+            <a:r>
+              <a:rPr lang="en-US" dirty="0">
+                <a:solidFill>
+                  <a:srgbClr val="0070C0"/>
+                </a:solidFill>
+              </a:rPr>
+              <a:t> like '%2017' and upper(substring(</a:t>
+            </a:r>
+            <a:r>
+              <a:rPr lang="en-US" dirty="0" err="1">
+                <a:solidFill>
+                  <a:srgbClr val="0070C0"/>
+                </a:solidFill>
+              </a:rPr>
+              <a:t>ViolationTime</a:t>
+            </a:r>
+            <a:r>
+              <a:rPr lang="en-US" dirty="0">
+                <a:solidFill>
+                  <a:srgbClr val="0070C0"/>
+                </a:solidFill>
+              </a:rPr>
+              <a:t>, -1)) ='P' group by substring(</a:t>
+            </a:r>
+            <a:r>
+              <a:rPr lang="en-US" dirty="0" err="1">
+                <a:solidFill>
+                  <a:srgbClr val="0070C0"/>
+                </a:solidFill>
+              </a:rPr>
+              <a:t>ViolationTime</a:t>
+            </a:r>
+            <a:r>
+              <a:rPr lang="en-US" dirty="0">
+                <a:solidFill>
+                  <a:srgbClr val="0070C0"/>
+                </a:solidFill>
+              </a:rPr>
+              <a:t>, 1, 2) order by </a:t>
+            </a:r>
+            <a:r>
+              <a:rPr lang="en-US" dirty="0" err="1">
+                <a:solidFill>
+                  <a:srgbClr val="0070C0"/>
+                </a:solidFill>
+              </a:rPr>
+              <a:t>ViolationCountINPM</a:t>
+            </a:r>
+            <a:r>
+              <a:rPr lang="en-US" dirty="0">
+                <a:solidFill>
+                  <a:srgbClr val="0070C0"/>
+                </a:solidFill>
+              </a:rPr>
+              <a:t> desc; </a:t>
+            </a:r>
+          </a:p>
+          <a:p>
+            <a:pPr marL="285750" indent="-285750">
+              <a:buFont typeface="Arial" panose="020B0604020202020204" pitchFamily="34" charset="0"/>
+              <a:buChar char="•"/>
+            </a:pPr>
             <a:r>
               <a:rPr lang="en-US" b="1" dirty="0">
                 <a:solidFill>
@@ -4242,7 +4432,7 @@
         </p:nvSpPr>
         <p:spPr>
           <a:xfrm>
-            <a:off x="391141" y="3116701"/>
+            <a:off x="427631" y="3152001"/>
             <a:ext cx="2157001" cy="369332"/>
           </a:xfrm>
           <a:prstGeom prst="rect">
@@ -4290,7 +4480,7 @@
         <p:spPr>
           <a:xfrm>
             <a:off x="2017499" y="3429000"/>
-            <a:ext cx="1769523" cy="369332"/>
+            <a:ext cx="2785827" cy="369332"/>
           </a:xfrm>
           <a:prstGeom prst="rect">
             <a:avLst/>
@@ -4309,7 +4499,7 @@
                   <a:srgbClr val="0070C0"/>
                 </a:solidFill>
               </a:rPr>
-              <a:t>Violations in AM</a:t>
+              <a:t>Violations in AM (Morning)</a:t>
             </a:r>
             <a:endParaRPr lang="en-US" dirty="0">
               <a:solidFill>
@@ -4334,7 +4524,7 @@
         <p:spPr>
           <a:xfrm>
             <a:off x="7385618" y="3387215"/>
-            <a:ext cx="1753493" cy="369332"/>
+            <a:ext cx="2691186" cy="369332"/>
           </a:xfrm>
           <a:prstGeom prst="rect">
             <a:avLst/>
@@ -4353,7 +4543,7 @@
                   <a:srgbClr val="0070C0"/>
                 </a:solidFill>
               </a:rPr>
-              <a:t>Violations in PM</a:t>
+              <a:t>Violations in PM (Evening)</a:t>
             </a:r>
             <a:endParaRPr lang="en-US" dirty="0">
               <a:solidFill>
@@ -4365,10 +4555,10 @@
       </p:sp>
       <p:pic>
         <p:nvPicPr>
-          <p:cNvPr id="5" name="Picture 4">
-            <a:extLst>
-              <a:ext uri="{FF2B5EF4-FFF2-40B4-BE49-F238E27FC236}">
-                <a16:creationId xmlns:a16="http://schemas.microsoft.com/office/drawing/2014/main" id="{E78B5034-C712-A630-DA11-5C9D87AADE61}"/>
+          <p:cNvPr id="4" name="Picture 3">
+            <a:extLst>
+              <a:ext uri="{FF2B5EF4-FFF2-40B4-BE49-F238E27FC236}">
+                <a16:creationId xmlns:a16="http://schemas.microsoft.com/office/drawing/2014/main" id="{D92232E1-83B2-D619-85B5-35D04EC1F3DB}"/>
               </a:ext>
             </a:extLst>
           </p:cNvPr>
@@ -4385,20 +4575,25 @@
         </p:blipFill>
         <p:spPr>
           <a:xfrm>
-            <a:off x="427631" y="3856852"/>
-            <a:ext cx="5668369" cy="2653150"/>
+            <a:off x="448102" y="3967714"/>
+            <a:ext cx="5775277" cy="2570113"/>
           </a:xfrm>
           <a:prstGeom prst="rect">
             <a:avLst/>
           </a:prstGeom>
+          <a:ln w="28575">
+            <a:solidFill>
+              <a:schemeClr val="accent1"/>
+            </a:solidFill>
+          </a:ln>
         </p:spPr>
       </p:pic>
       <p:pic>
         <p:nvPicPr>
-          <p:cNvPr id="12" name="Picture 11">
-            <a:extLst>
-              <a:ext uri="{FF2B5EF4-FFF2-40B4-BE49-F238E27FC236}">
-                <a16:creationId xmlns:a16="http://schemas.microsoft.com/office/drawing/2014/main" id="{15FD7D01-4708-4423-464D-356C9BEA4908}"/>
+          <p:cNvPr id="11" name="Picture 10">
+            <a:extLst>
+              <a:ext uri="{FF2B5EF4-FFF2-40B4-BE49-F238E27FC236}">
+                <a16:creationId xmlns:a16="http://schemas.microsoft.com/office/drawing/2014/main" id="{A3654057-AC49-EC5F-84E8-5EE2001E17B3}"/>
               </a:ext>
             </a:extLst>
           </p:cNvPr>
@@ -4415,12 +4610,17 @@
         </p:blipFill>
         <p:spPr>
           <a:xfrm>
-            <a:off x="6353034" y="3856852"/>
-            <a:ext cx="5636524" cy="2616736"/>
+            <a:off x="6218830" y="3967714"/>
+            <a:ext cx="5775277" cy="2533773"/>
           </a:xfrm>
           <a:prstGeom prst="rect">
             <a:avLst/>
           </a:prstGeom>
+          <a:ln w="28575">
+            <a:solidFill>
+              <a:schemeClr val="accent1"/>
+            </a:solidFill>
+          </a:ln>
         </p:spPr>
       </p:pic>
     </p:spTree>
@@ -4837,7 +5037,7 @@
                   <a:srgbClr val="0070C0"/>
                 </a:solidFill>
               </a:rPr>
-              <a:t> like '%2017’  </a:t>
+              <a:t> like '%2017'  </a:t>
             </a:r>
           </a:p>
           <a:p>
@@ -5384,7 +5584,7 @@
                   <a:srgbClr val="0070C0"/>
                 </a:solidFill>
               </a:rPr>
-              <a:t>)=5 and upper(substring(ViolationTime,-1)) in ('A','P') and substring(ViolationTime,1,2)  in ('00','01','02','03','04','05','06','07', '08','09','10','11','12’) )) </a:t>
+              <a:t>)=5 and upper(substring(ViolationTime,-1)) in ('A','P') and substring(ViolationTime,1,2)  in ('00','01','02','03','04','05','06','07', '08','09','10','11','12') )) </a:t>
             </a:r>
             <a:r>
               <a:rPr lang="en-US" sz="1600" dirty="0" err="1">
@@ -7611,6 +7811,85 @@
 </p:sld>
 </file>
 
+<file path=ppt/slides/slide20.xml><?xml version="1.0" encoding="utf-8"?>
+<p:sld xmlns:a="http://schemas.openxmlformats.org/drawingml/2006/main" xmlns:r="http://schemas.openxmlformats.org/officeDocument/2006/relationships" xmlns:p="http://schemas.openxmlformats.org/presentationml/2006/main">
+  <p:cSld>
+    <p:spTree>
+      <p:nvGrpSpPr>
+        <p:cNvPr id="1" name=""/>
+        <p:cNvGrpSpPr/>
+        <p:nvPr/>
+      </p:nvGrpSpPr>
+      <p:grpSpPr>
+        <a:xfrm>
+          <a:off x="0" y="0"/>
+          <a:ext cx="0" cy="0"/>
+          <a:chOff x="0" y="0"/>
+          <a:chExt cx="0" cy="0"/>
+        </a:xfrm>
+      </p:grpSpPr>
+      <p:sp>
+        <p:nvSpPr>
+          <p:cNvPr id="2" name="Title 1">
+            <a:extLst>
+              <a:ext uri="{FF2B5EF4-FFF2-40B4-BE49-F238E27FC236}">
+                <a16:creationId xmlns:a16="http://schemas.microsoft.com/office/drawing/2014/main" id="{6ACEC39B-088C-258C-81E4-75E1A916F032}"/>
+              </a:ext>
+            </a:extLst>
+          </p:cNvPr>
+          <p:cNvSpPr>
+            <a:spLocks noGrp="1"/>
+          </p:cNvSpPr>
+          <p:nvPr>
+            <p:ph type="title"/>
+          </p:nvPr>
+        </p:nvSpPr>
+        <p:spPr>
+          <a:xfrm>
+            <a:off x="2066498" y="3429000"/>
+            <a:ext cx="7450540" cy="590218"/>
+          </a:xfrm>
+        </p:spPr>
+        <p:txBody>
+          <a:bodyPr>
+            <a:normAutofit fontScale="90000"/>
+          </a:bodyPr>
+          <a:lstStyle/>
+          <a:p>
+            <a:pPr algn="ctr"/>
+            <a:r>
+              <a:rPr lang="en-US" b="1" i="0" dirty="0">
+                <a:solidFill>
+                  <a:srgbClr val="0070C0"/>
+                </a:solidFill>
+                <a:effectLst/>
+                <a:latin typeface="circular"/>
+              </a:rPr>
+              <a:t>Thank You</a:t>
+            </a:r>
+            <a:endParaRPr lang="en-US" b="0" i="0" dirty="0">
+              <a:solidFill>
+                <a:srgbClr val="0070C0"/>
+              </a:solidFill>
+              <a:effectLst/>
+              <a:latin typeface="circular"/>
+            </a:endParaRPr>
+          </a:p>
+        </p:txBody>
+      </p:sp>
+    </p:spTree>
+    <p:extLst>
+      <p:ext uri="{BB962C8B-B14F-4D97-AF65-F5344CB8AC3E}">
+        <p14:creationId xmlns:p14="http://schemas.microsoft.com/office/powerpoint/2010/main" val="2799182456"/>
+      </p:ext>
+    </p:extLst>
+  </p:cSld>
+  <p:clrMapOvr>
+    <a:masterClrMapping/>
+  </p:clrMapOvr>
+</p:sld>
+</file>
+
 <file path=ppt/slides/slide3.xml><?xml version="1.0" encoding="utf-8"?>
 <p:sld xmlns:a="http://schemas.openxmlformats.org/drawingml/2006/main" xmlns:r="http://schemas.openxmlformats.org/officeDocument/2006/relationships" xmlns:p="http://schemas.openxmlformats.org/presentationml/2006/main">
   <p:cSld>
@@ -7682,7 +7961,7 @@
         <p:spPr>
           <a:xfrm>
             <a:off x="589129" y="1433540"/>
-            <a:ext cx="11013742" cy="3693319"/>
+            <a:ext cx="11013742" cy="4801314"/>
           </a:xfrm>
           <a:prstGeom prst="rect">
             <a:avLst/>
@@ -7701,7 +7980,7 @@
                   <a:srgbClr val="0070C0"/>
                 </a:solidFill>
               </a:rPr>
-              <a:t>Command – </a:t>
+              <a:t>Commands – </a:t>
             </a:r>
           </a:p>
           <a:p>
@@ -7712,6 +7991,10 @@
             </a:endParaRPr>
           </a:p>
           <a:p>
+            <a:pPr marL="342900" indent="-342900">
+              <a:buFont typeface="+mj-lt"/>
+              <a:buAutoNum type="arabicPeriod"/>
+            </a:pPr>
             <a:r>
               <a:rPr lang="en-US" sz="1800" dirty="0">
                 <a:solidFill>
@@ -7750,6 +8033,102 @@
                   <a:srgbClr val="0070C0"/>
                 </a:solidFill>
               </a:rPr>
+              <a:t> </a:t>
+            </a:r>
+            <a:r>
+              <a:rPr lang="en-US" sz="1800" dirty="0" err="1">
+                <a:solidFill>
+                  <a:srgbClr val="0070C0"/>
+                </a:solidFill>
+              </a:rPr>
+              <a:t>bigint</a:t>
+            </a:r>
+            <a:r>
+              <a:rPr lang="en-US" sz="1800" dirty="0">
+                <a:solidFill>
+                  <a:srgbClr val="0070C0"/>
+                </a:solidFill>
+              </a:rPr>
+              <a:t>, </a:t>
+            </a:r>
+            <a:r>
+              <a:rPr lang="en-US" sz="1800" dirty="0" err="1">
+                <a:solidFill>
+                  <a:srgbClr val="0070C0"/>
+                </a:solidFill>
+              </a:rPr>
+              <a:t>PlateID</a:t>
+            </a:r>
+            <a:r>
+              <a:rPr lang="en-US" sz="1800" dirty="0">
+                <a:solidFill>
+                  <a:srgbClr val="0070C0"/>
+                </a:solidFill>
+              </a:rPr>
+              <a:t> String, </a:t>
+            </a:r>
+            <a:r>
+              <a:rPr lang="en-US" sz="1800" dirty="0" err="1">
+                <a:solidFill>
+                  <a:srgbClr val="0070C0"/>
+                </a:solidFill>
+              </a:rPr>
+              <a:t>RegistrationState</a:t>
+            </a:r>
+            <a:r>
+              <a:rPr lang="en-US" sz="1800" dirty="0">
+                <a:solidFill>
+                  <a:srgbClr val="0070C0"/>
+                </a:solidFill>
+              </a:rPr>
+              <a:t> </a:t>
+            </a:r>
+            <a:r>
+              <a:rPr lang="en-US" sz="1800" dirty="0" err="1">
+                <a:solidFill>
+                  <a:srgbClr val="0070C0"/>
+                </a:solidFill>
+              </a:rPr>
+              <a:t>String,PlateType</a:t>
+            </a:r>
+            <a:r>
+              <a:rPr lang="en-US" sz="1800" dirty="0">
+                <a:solidFill>
+                  <a:srgbClr val="0070C0"/>
+                </a:solidFill>
+              </a:rPr>
+              <a:t> String, </a:t>
+            </a:r>
+            <a:r>
+              <a:rPr lang="en-US" sz="1800" dirty="0" err="1">
+                <a:solidFill>
+                  <a:srgbClr val="0070C0"/>
+                </a:solidFill>
+              </a:rPr>
+              <a:t>IssueDate</a:t>
+            </a:r>
+            <a:r>
+              <a:rPr lang="en-US" sz="1800" dirty="0">
+                <a:solidFill>
+                  <a:srgbClr val="0070C0"/>
+                </a:solidFill>
+              </a:rPr>
+              <a:t> </a:t>
+            </a:r>
+            <a:r>
+              <a:rPr lang="en-US" sz="1800" dirty="0" err="1">
+                <a:solidFill>
+                  <a:srgbClr val="0070C0"/>
+                </a:solidFill>
+              </a:rPr>
+              <a:t>String,ViolationCode</a:t>
+            </a:r>
+            <a:r>
+              <a:rPr lang="en-US" sz="1800" dirty="0">
+                <a:solidFill>
+                  <a:srgbClr val="0070C0"/>
+                </a:solidFill>
+              </a:rPr>
               <a:t> int, </a:t>
             </a:r>
             <a:r>
@@ -7758,7 +8137,7 @@
                   <a:srgbClr val="0070C0"/>
                 </a:solidFill>
               </a:rPr>
-              <a:t>PlateID</a:t>
+              <a:t>VehicleBodyType</a:t>
             </a:r>
             <a:r>
               <a:rPr lang="en-US" sz="1800" dirty="0">
@@ -7766,6 +8145,22 @@
                   <a:srgbClr val="0070C0"/>
                 </a:solidFill>
               </a:rPr>
+              <a:t> </a:t>
+            </a:r>
+            <a:r>
+              <a:rPr lang="en-US" sz="1800" dirty="0" err="1">
+                <a:solidFill>
+                  <a:srgbClr val="0070C0"/>
+                </a:solidFill>
+              </a:rPr>
+              <a:t>String,VehicleMake</a:t>
+            </a:r>
+            <a:r>
+              <a:rPr lang="en-US" sz="1800" dirty="0">
+                <a:solidFill>
+                  <a:srgbClr val="0070C0"/>
+                </a:solidFill>
+              </a:rPr>
               <a:t> String, </a:t>
             </a:r>
             <a:r>
@@ -7774,7 +8169,7 @@
                   <a:srgbClr val="0070C0"/>
                 </a:solidFill>
               </a:rPr>
-              <a:t>RegistrationState</a:t>
+              <a:t>IssuingAgency</a:t>
             </a:r>
             <a:r>
               <a:rPr lang="en-US" sz="1800" dirty="0">
@@ -7782,6 +8177,118 @@
                   <a:srgbClr val="0070C0"/>
                 </a:solidFill>
               </a:rPr>
+              <a:t> String,StreetCode1 int , StreetCode2 int ,StreetCode3 int , </a:t>
+            </a:r>
+            <a:r>
+              <a:rPr lang="en-US" sz="1800" dirty="0" err="1">
+                <a:solidFill>
+                  <a:srgbClr val="0070C0"/>
+                </a:solidFill>
+              </a:rPr>
+              <a:t>VehicleExpirationDate</a:t>
+            </a:r>
+            <a:r>
+              <a:rPr lang="en-US" sz="1800" dirty="0">
+                <a:solidFill>
+                  <a:srgbClr val="0070C0"/>
+                </a:solidFill>
+              </a:rPr>
+              <a:t> int ,</a:t>
+            </a:r>
+            <a:r>
+              <a:rPr lang="en-US" sz="1800" dirty="0" err="1">
+                <a:solidFill>
+                  <a:srgbClr val="0070C0"/>
+                </a:solidFill>
+              </a:rPr>
+              <a:t>ViolationLocation</a:t>
+            </a:r>
+            <a:r>
+              <a:rPr lang="en-US" sz="1800" dirty="0">
+                <a:solidFill>
+                  <a:srgbClr val="0070C0"/>
+                </a:solidFill>
+              </a:rPr>
+              <a:t> String, </a:t>
+            </a:r>
+            <a:r>
+              <a:rPr lang="en-US" sz="1800" dirty="0" err="1">
+                <a:solidFill>
+                  <a:srgbClr val="0070C0"/>
+                </a:solidFill>
+              </a:rPr>
+              <a:t>ViolationPrecinct</a:t>
+            </a:r>
+            <a:r>
+              <a:rPr lang="en-US" sz="1800" dirty="0">
+                <a:solidFill>
+                  <a:srgbClr val="0070C0"/>
+                </a:solidFill>
+              </a:rPr>
+              <a:t> int ,</a:t>
+            </a:r>
+            <a:r>
+              <a:rPr lang="en-US" sz="1800" dirty="0" err="1">
+                <a:solidFill>
+                  <a:srgbClr val="0070C0"/>
+                </a:solidFill>
+              </a:rPr>
+              <a:t>IssuerPrecinct</a:t>
+            </a:r>
+            <a:r>
+              <a:rPr lang="en-US" sz="1800" dirty="0">
+                <a:solidFill>
+                  <a:srgbClr val="0070C0"/>
+                </a:solidFill>
+              </a:rPr>
+              <a:t> int , </a:t>
+            </a:r>
+            <a:r>
+              <a:rPr lang="en-US" sz="1800" dirty="0" err="1">
+                <a:solidFill>
+                  <a:srgbClr val="0070C0"/>
+                </a:solidFill>
+              </a:rPr>
+              <a:t>IssuerCode</a:t>
+            </a:r>
+            <a:r>
+              <a:rPr lang="en-US" sz="1800" dirty="0">
+                <a:solidFill>
+                  <a:srgbClr val="0070C0"/>
+                </a:solidFill>
+              </a:rPr>
+              <a:t> int ,</a:t>
+            </a:r>
+            <a:r>
+              <a:rPr lang="en-US" sz="1800" dirty="0" err="1">
+                <a:solidFill>
+                  <a:srgbClr val="0070C0"/>
+                </a:solidFill>
+              </a:rPr>
+              <a:t>IssuerCommand</a:t>
+            </a:r>
+            <a:r>
+              <a:rPr lang="en-US" sz="1800" dirty="0">
+                <a:solidFill>
+                  <a:srgbClr val="0070C0"/>
+                </a:solidFill>
+              </a:rPr>
+              <a:t> String, </a:t>
+            </a:r>
+            <a:r>
+              <a:rPr lang="en-US" sz="1800" dirty="0" err="1">
+                <a:solidFill>
+                  <a:srgbClr val="0070C0"/>
+                </a:solidFill>
+              </a:rPr>
+              <a:t>IssuerSquad</a:t>
+            </a:r>
+            <a:r>
+              <a:rPr lang="en-US" sz="1800" dirty="0">
+                <a:solidFill>
+                  <a:srgbClr val="0070C0"/>
+                </a:solidFill>
+              </a:rPr>
               <a:t> </a:t>
             </a:r>
             <a:r>
@@ -7790,7 +8297,7 @@
                   <a:srgbClr val="0070C0"/>
                 </a:solidFill>
               </a:rPr>
-              <a:t>String,PlateType</a:t>
+              <a:t>String,ViolationTime</a:t>
             </a:r>
             <a:r>
               <a:rPr lang="en-US" sz="1800" dirty="0">
@@ -7806,7 +8313,7 @@
                   <a:srgbClr val="0070C0"/>
                 </a:solidFill>
               </a:rPr>
-              <a:t>IssueDate</a:t>
+              <a:t>TimeFirstObserved</a:t>
             </a:r>
             <a:r>
               <a:rPr lang="en-US" sz="1800" dirty="0">
@@ -7822,7 +8329,7 @@
                   <a:srgbClr val="0070C0"/>
                 </a:solidFill>
               </a:rPr>
-              <a:t>String,ViolationCode</a:t>
+              <a:t>String,ViolationCounty</a:t>
             </a:r>
             <a:r>
               <a:rPr lang="en-US" sz="1800" dirty="0">
@@ -7830,7 +8337,7 @@
                   <a:srgbClr val="0070C0"/>
                 </a:solidFill>
               </a:rPr>
-              <a:t> int, </a:t>
+              <a:t> String, </a:t>
             </a:r>
             <a:r>
               <a:rPr lang="en-US" sz="1800" dirty="0" err="1">
@@ -7838,7 +8345,7 @@
                   <a:srgbClr val="0070C0"/>
                 </a:solidFill>
               </a:rPr>
-              <a:t>VehicleBodyType</a:t>
+              <a:t>ViolationInFrontOfOrOpposite</a:t>
             </a:r>
             <a:r>
               <a:rPr lang="en-US" sz="1800" dirty="0">
@@ -7854,7 +8361,7 @@
                   <a:srgbClr val="0070C0"/>
                 </a:solidFill>
               </a:rPr>
-              <a:t>String,VehicleMake</a:t>
+              <a:t>String,HouseNumber</a:t>
             </a:r>
             <a:r>
               <a:rPr lang="en-US" sz="1800" dirty="0">
@@ -7870,7 +8377,7 @@
                   <a:srgbClr val="0070C0"/>
                 </a:solidFill>
               </a:rPr>
-              <a:t>IssuingAgency</a:t>
+              <a:t>StreetName</a:t>
             </a:r>
             <a:r>
               <a:rPr lang="en-US" sz="1800" dirty="0">
@@ -7878,7 +8385,7 @@
                   <a:srgbClr val="0070C0"/>
                 </a:solidFill>
               </a:rPr>
-              <a:t> String,StreetCode1 int , StreetCode2 int ,StreetCode3 int , </a:t>
+              <a:t> </a:t>
             </a:r>
             <a:r>
               <a:rPr lang="en-US" sz="1800" dirty="0" err="1">
@@ -7886,7 +8393,7 @@
                   <a:srgbClr val="0070C0"/>
                 </a:solidFill>
               </a:rPr>
-              <a:t>VehicleExpirationDate</a:t>
+              <a:t>String,IntersectingStreet</a:t>
             </a:r>
             <a:r>
               <a:rPr lang="en-US" sz="1800" dirty="0">
@@ -7894,6 +8401,22 @@
                   <a:srgbClr val="0070C0"/>
                 </a:solidFill>
               </a:rPr>
+              <a:t> String, </a:t>
+            </a:r>
+            <a:r>
+              <a:rPr lang="en-US" sz="1800" dirty="0" err="1">
+                <a:solidFill>
+                  <a:srgbClr val="0070C0"/>
+                </a:solidFill>
+              </a:rPr>
+              <a:t>DateFirstObserved</a:t>
+            </a:r>
+            <a:r>
+              <a:rPr lang="en-US" sz="1800" dirty="0">
+                <a:solidFill>
+                  <a:srgbClr val="0070C0"/>
+                </a:solidFill>
+              </a:rPr>
               <a:t> int ,</a:t>
             </a:r>
             <a:r>
@@ -7902,7 +8425,7 @@
                   <a:srgbClr val="0070C0"/>
                 </a:solidFill>
               </a:rPr>
-              <a:t>ViolationLocation</a:t>
+              <a:t>LawSection</a:t>
             </a:r>
             <a:r>
               <a:rPr lang="en-US" sz="1800" dirty="0">
@@ -7910,6 +8433,38 @@
                   <a:srgbClr val="0070C0"/>
                 </a:solidFill>
               </a:rPr>
+              <a:t> int , </a:t>
+            </a:r>
+            <a:r>
+              <a:rPr lang="en-US" sz="1800" dirty="0" err="1">
+                <a:solidFill>
+                  <a:srgbClr val="0070C0"/>
+                </a:solidFill>
+              </a:rPr>
+              <a:t>SubDivision</a:t>
+            </a:r>
+            <a:r>
+              <a:rPr lang="en-US" sz="1800" dirty="0">
+                <a:solidFill>
+                  <a:srgbClr val="0070C0"/>
+                </a:solidFill>
+              </a:rPr>
+              <a:t> </a:t>
+            </a:r>
+            <a:r>
+              <a:rPr lang="en-US" sz="1800" dirty="0" err="1">
+                <a:solidFill>
+                  <a:srgbClr val="0070C0"/>
+                </a:solidFill>
+              </a:rPr>
+              <a:t>String,ViolationLegalCode</a:t>
+            </a:r>
+            <a:r>
+              <a:rPr lang="en-US" sz="1800" dirty="0">
+                <a:solidFill>
+                  <a:srgbClr val="0070C0"/>
+                </a:solidFill>
+              </a:rPr>
               <a:t> String, </a:t>
             </a:r>
             <a:r>
@@ -7918,7 +8473,7 @@
                   <a:srgbClr val="0070C0"/>
                 </a:solidFill>
               </a:rPr>
-              <a:t>ViolationPrecinct</a:t>
+              <a:t>DaysParkingInEffect</a:t>
             </a:r>
             <a:r>
               <a:rPr lang="en-US" sz="1800" dirty="0">
@@ -7926,7 +8481,7 @@
                   <a:srgbClr val="0070C0"/>
                 </a:solidFill>
               </a:rPr>
-              <a:t> int ,</a:t>
+              <a:t>   String ,</a:t>
             </a:r>
             <a:r>
               <a:rPr lang="en-US" sz="1800" dirty="0" err="1">
@@ -7934,7 +8489,7 @@
                   <a:srgbClr val="0070C0"/>
                 </a:solidFill>
               </a:rPr>
-              <a:t>IssuerPrecinct</a:t>
+              <a:t>FromHoursInEffect</a:t>
             </a:r>
             <a:r>
               <a:rPr lang="en-US" sz="1800" dirty="0">
@@ -7942,6 +8497,70 @@
                   <a:srgbClr val="0070C0"/>
                 </a:solidFill>
               </a:rPr>
+              <a:t> String, </a:t>
+            </a:r>
+            <a:r>
+              <a:rPr lang="en-US" sz="1800" dirty="0" err="1">
+                <a:solidFill>
+                  <a:srgbClr val="0070C0"/>
+                </a:solidFill>
+              </a:rPr>
+              <a:t>ToHoursInEffect</a:t>
+            </a:r>
+            <a:r>
+              <a:rPr lang="en-US" sz="1800" dirty="0">
+                <a:solidFill>
+                  <a:srgbClr val="0070C0"/>
+                </a:solidFill>
+              </a:rPr>
+              <a:t> </a:t>
+            </a:r>
+            <a:r>
+              <a:rPr lang="en-US" sz="1800" dirty="0" err="1">
+                <a:solidFill>
+                  <a:srgbClr val="0070C0"/>
+                </a:solidFill>
+              </a:rPr>
+              <a:t>String,VehicleColor</a:t>
+            </a:r>
+            <a:r>
+              <a:rPr lang="en-US" sz="1800" dirty="0">
+                <a:solidFill>
+                  <a:srgbClr val="0070C0"/>
+                </a:solidFill>
+              </a:rPr>
+              <a:t> String, </a:t>
+            </a:r>
+            <a:r>
+              <a:rPr lang="en-US" sz="1800" dirty="0" err="1">
+                <a:solidFill>
+                  <a:srgbClr val="0070C0"/>
+                </a:solidFill>
+              </a:rPr>
+              <a:t>UnregisteredVehicle</a:t>
+            </a:r>
+            <a:r>
+              <a:rPr lang="en-US" sz="1800" dirty="0">
+                <a:solidFill>
+                  <a:srgbClr val="0070C0"/>
+                </a:solidFill>
+              </a:rPr>
+              <a:t> </a:t>
+            </a:r>
+            <a:r>
+              <a:rPr lang="en-US" sz="1800" dirty="0" err="1">
+                <a:solidFill>
+                  <a:srgbClr val="0070C0"/>
+                </a:solidFill>
+              </a:rPr>
+              <a:t>String,VehicleYear</a:t>
+            </a:r>
+            <a:r>
+              <a:rPr lang="en-US" sz="1800" dirty="0">
+                <a:solidFill>
+                  <a:srgbClr val="0070C0"/>
+                </a:solidFill>
+              </a:rPr>
               <a:t> int , </a:t>
             </a:r>
             <a:r>
@@ -7950,7 +8569,7 @@
                   <a:srgbClr val="0070C0"/>
                 </a:solidFill>
               </a:rPr>
-              <a:t>IssuerCode</a:t>
+              <a:t>MeterNumber</a:t>
             </a:r>
             <a:r>
               <a:rPr lang="en-US" sz="1800" dirty="0">
@@ -7958,7 +8577,7 @@
                   <a:srgbClr val="0070C0"/>
                 </a:solidFill>
               </a:rPr>
-              <a:t> int ,</a:t>
+              <a:t> </a:t>
             </a:r>
             <a:r>
               <a:rPr lang="en-US" sz="1800" dirty="0" err="1">
@@ -7966,7 +8585,7 @@
                   <a:srgbClr val="0070C0"/>
                 </a:solidFill>
               </a:rPr>
-              <a:t>IssuerCommand</a:t>
+              <a:t>String,FeetFromCurb</a:t>
             </a:r>
             <a:r>
               <a:rPr lang="en-US" sz="1800" dirty="0">
@@ -7974,6 +8593,38 @@
                   <a:srgbClr val="0070C0"/>
                 </a:solidFill>
               </a:rPr>
+              <a:t> int , </a:t>
+            </a:r>
+            <a:r>
+              <a:rPr lang="en-US" sz="1800" dirty="0" err="1">
+                <a:solidFill>
+                  <a:srgbClr val="0070C0"/>
+                </a:solidFill>
+              </a:rPr>
+              <a:t>ViolationPostCode</a:t>
+            </a:r>
+            <a:r>
+              <a:rPr lang="en-US" sz="1800" dirty="0">
+                <a:solidFill>
+                  <a:srgbClr val="0070C0"/>
+                </a:solidFill>
+              </a:rPr>
+              <a:t> </a:t>
+            </a:r>
+            <a:r>
+              <a:rPr lang="en-US" sz="1800" dirty="0" err="1">
+                <a:solidFill>
+                  <a:srgbClr val="0070C0"/>
+                </a:solidFill>
+              </a:rPr>
+              <a:t>String,ViolationDescription</a:t>
+            </a:r>
+            <a:r>
+              <a:rPr lang="en-US" sz="1800" dirty="0">
+                <a:solidFill>
+                  <a:srgbClr val="0070C0"/>
+                </a:solidFill>
+              </a:rPr>
               <a:t> String, </a:t>
             </a:r>
             <a:r>
@@ -7982,7 +8633,7 @@
                   <a:srgbClr val="0070C0"/>
                 </a:solidFill>
               </a:rPr>
-              <a:t>IssuerSquad</a:t>
+              <a:t>NoStandingorStoppingViolation</a:t>
             </a:r>
             <a:r>
               <a:rPr lang="en-US" sz="1800" dirty="0">
@@ -7998,7 +8649,7 @@
                   <a:srgbClr val="0070C0"/>
                 </a:solidFill>
               </a:rPr>
-              <a:t>String,ViolationTime</a:t>
+              <a:t>String,HydrantViolation</a:t>
             </a:r>
             <a:r>
               <a:rPr lang="en-US" sz="1800" dirty="0">
@@ -8014,7 +8665,7 @@
                   <a:srgbClr val="0070C0"/>
                 </a:solidFill>
               </a:rPr>
-              <a:t>TimeFirstObserved</a:t>
+              <a:t>DoubleParkingViolation</a:t>
             </a:r>
             <a:r>
               <a:rPr lang="en-US" sz="1800" dirty="0">
@@ -8022,7 +8673,7 @@
                   <a:srgbClr val="0070C0"/>
                 </a:solidFill>
               </a:rPr>
-              <a:t> </a:t>
+              <a:t> String) COMMENT '</a:t>
             </a:r>
             <a:r>
               <a:rPr lang="en-US" sz="1800" dirty="0" err="1">
@@ -8030,7 +8681,7 @@
                   <a:srgbClr val="0070C0"/>
                 </a:solidFill>
               </a:rPr>
-              <a:t>String,ViolationCounty</a:t>
+              <a:t>parkingviolations</a:t>
             </a:r>
             <a:r>
               <a:rPr lang="en-US" sz="1800" dirty="0">
@@ -8038,7 +8689,7 @@
                   <a:srgbClr val="0070C0"/>
                 </a:solidFill>
               </a:rPr>
-              <a:t> String, </a:t>
+              <a:t> assignment' ROW FORMAT DELIMITED FIELDS TERMINATED BY ',' LINES TERMINATED BY '\n' </a:t>
             </a:r>
             <a:r>
               <a:rPr lang="en-US" sz="1800" dirty="0" err="1">
@@ -8046,7 +8697,7 @@
                   <a:srgbClr val="0070C0"/>
                 </a:solidFill>
               </a:rPr>
-              <a:t>ViolationInFrontOfOrOpposite</a:t>
+              <a:t>tblproperties</a:t>
             </a:r>
             <a:r>
               <a:rPr lang="en-US" sz="1800" dirty="0">
@@ -8054,7 +8705,7 @@
                   <a:srgbClr val="0070C0"/>
                 </a:solidFill>
               </a:rPr>
-              <a:t> </a:t>
+              <a:t>('</a:t>
             </a:r>
             <a:r>
               <a:rPr lang="en-US" sz="1800" dirty="0" err="1">
@@ -8062,7 +8713,7 @@
                   <a:srgbClr val="0070C0"/>
                 </a:solidFill>
               </a:rPr>
-              <a:t>String,HouseNumber</a:t>
+              <a:t>skip.header.line.count</a:t>
             </a:r>
             <a:r>
               <a:rPr lang="en-US" sz="1800" dirty="0">
@@ -8070,7 +8721,32 @@
                   <a:srgbClr val="0070C0"/>
                 </a:solidFill>
               </a:rPr>
-              <a:t> String, </a:t>
+              <a:t>'='1’);</a:t>
+            </a:r>
+          </a:p>
+          <a:p>
+            <a:pPr marL="342900" indent="-342900">
+              <a:buFont typeface="+mj-lt"/>
+              <a:buAutoNum type="arabicPeriod"/>
+            </a:pPr>
+            <a:endParaRPr lang="en-US" dirty="0">
+              <a:solidFill>
+                <a:srgbClr val="0070C0"/>
+              </a:solidFill>
+            </a:endParaRPr>
+          </a:p>
+          <a:p>
+            <a:pPr marL="342900" indent="-342900">
+              <a:buFont typeface="+mj-lt"/>
+              <a:buAutoNum type="arabicPeriod"/>
+            </a:pPr>
+            <a:r>
+              <a:rPr lang="en-US" sz="1800" dirty="0">
+                <a:solidFill>
+                  <a:srgbClr val="0070C0"/>
+                </a:solidFill>
+              </a:rPr>
+              <a:t>load data local </a:t>
             </a:r>
             <a:r>
               <a:rPr lang="en-US" sz="1800" dirty="0" err="1">
@@ -8078,7 +8754,7 @@
                   <a:srgbClr val="0070C0"/>
                 </a:solidFill>
               </a:rPr>
-              <a:t>StreetName</a:t>
+              <a:t>inpath</a:t>
             </a:r>
             <a:r>
               <a:rPr lang="en-US" sz="1800" dirty="0">
@@ -8086,7 +8762,7 @@
                   <a:srgbClr val="0070C0"/>
                 </a:solidFill>
               </a:rPr>
-              <a:t> </a:t>
+              <a:t> '/home/</a:t>
             </a:r>
             <a:r>
               <a:rPr lang="en-US" sz="1800" dirty="0" err="1">
@@ -8094,7 +8770,7 @@
                   <a:srgbClr val="0070C0"/>
                 </a:solidFill>
               </a:rPr>
-              <a:t>String,IntersectingStreet</a:t>
+              <a:t>hadoop</a:t>
             </a:r>
             <a:r>
               <a:rPr lang="en-US" sz="1800" dirty="0">
@@ -8102,7 +8778,7 @@
                   <a:srgbClr val="0070C0"/>
                 </a:solidFill>
               </a:rPr>
-              <a:t> String, </a:t>
+              <a:t>/Parking_Violations_Issued_-_Fiscal_Year_2017.csv' into table </a:t>
             </a:r>
             <a:r>
               <a:rPr lang="en-US" sz="1800" dirty="0" err="1">
@@ -8110,7 +8786,7 @@
                   <a:srgbClr val="0070C0"/>
                 </a:solidFill>
               </a:rPr>
-              <a:t>DateFirstObserved</a:t>
+              <a:t>parkingviolations</a:t>
             </a:r>
             <a:r>
               <a:rPr lang="en-US" sz="1800" dirty="0">
@@ -8118,311 +8794,7 @@
                   <a:srgbClr val="0070C0"/>
                 </a:solidFill>
               </a:rPr>
-              <a:t> int ,</a:t>
-            </a:r>
-            <a:r>
-              <a:rPr lang="en-US" sz="1800" dirty="0" err="1">
-                <a:solidFill>
-                  <a:srgbClr val="0070C0"/>
-                </a:solidFill>
-              </a:rPr>
-              <a:t>LawSection</a:t>
-            </a:r>
-            <a:r>
-              <a:rPr lang="en-US" sz="1800" dirty="0">
-                <a:solidFill>
-                  <a:srgbClr val="0070C0"/>
-                </a:solidFill>
-              </a:rPr>
-              <a:t> int , </a:t>
-            </a:r>
-            <a:r>
-              <a:rPr lang="en-US" sz="1800" dirty="0" err="1">
-                <a:solidFill>
-                  <a:srgbClr val="0070C0"/>
-                </a:solidFill>
-              </a:rPr>
-              <a:t>SubDivision</a:t>
-            </a:r>
-            <a:r>
-              <a:rPr lang="en-US" sz="1800" dirty="0">
-                <a:solidFill>
-                  <a:srgbClr val="0070C0"/>
-                </a:solidFill>
-              </a:rPr>
-              <a:t> </a:t>
-            </a:r>
-            <a:r>
-              <a:rPr lang="en-US" sz="1800" dirty="0" err="1">
-                <a:solidFill>
-                  <a:srgbClr val="0070C0"/>
-                </a:solidFill>
-              </a:rPr>
-              <a:t>String,ViolationLegalCode</a:t>
-            </a:r>
-            <a:r>
-              <a:rPr lang="en-US" sz="1800" dirty="0">
-                <a:solidFill>
-                  <a:srgbClr val="0070C0"/>
-                </a:solidFill>
-              </a:rPr>
-              <a:t> String, </a:t>
-            </a:r>
-            <a:r>
-              <a:rPr lang="en-US" sz="1800" dirty="0" err="1">
-                <a:solidFill>
-                  <a:srgbClr val="0070C0"/>
-                </a:solidFill>
-              </a:rPr>
-              <a:t>DaysParkingInEffect</a:t>
-            </a:r>
-            <a:r>
-              <a:rPr lang="en-US" sz="1800" dirty="0">
-                <a:solidFill>
-                  <a:srgbClr val="0070C0"/>
-                </a:solidFill>
-              </a:rPr>
-              <a:t>   String ,</a:t>
-            </a:r>
-            <a:r>
-              <a:rPr lang="en-US" sz="1800" dirty="0" err="1">
-                <a:solidFill>
-                  <a:srgbClr val="0070C0"/>
-                </a:solidFill>
-              </a:rPr>
-              <a:t>FromHoursInEffect</a:t>
-            </a:r>
-            <a:r>
-              <a:rPr lang="en-US" sz="1800" dirty="0">
-                <a:solidFill>
-                  <a:srgbClr val="0070C0"/>
-                </a:solidFill>
-              </a:rPr>
-              <a:t> String, </a:t>
-            </a:r>
-            <a:r>
-              <a:rPr lang="en-US" sz="1800" dirty="0" err="1">
-                <a:solidFill>
-                  <a:srgbClr val="0070C0"/>
-                </a:solidFill>
-              </a:rPr>
-              <a:t>ToHoursInEffect</a:t>
-            </a:r>
-            <a:r>
-              <a:rPr lang="en-US" sz="1800" dirty="0">
-                <a:solidFill>
-                  <a:srgbClr val="0070C0"/>
-                </a:solidFill>
-              </a:rPr>
-              <a:t> </a:t>
-            </a:r>
-            <a:r>
-              <a:rPr lang="en-US" sz="1800" dirty="0" err="1">
-                <a:solidFill>
-                  <a:srgbClr val="0070C0"/>
-                </a:solidFill>
-              </a:rPr>
-              <a:t>String,VehicleColor</a:t>
-            </a:r>
-            <a:r>
-              <a:rPr lang="en-US" sz="1800" dirty="0">
-                <a:solidFill>
-                  <a:srgbClr val="0070C0"/>
-                </a:solidFill>
-              </a:rPr>
-              <a:t> String, </a:t>
-            </a:r>
-            <a:r>
-              <a:rPr lang="en-US" sz="1800" dirty="0" err="1">
-                <a:solidFill>
-                  <a:srgbClr val="0070C0"/>
-                </a:solidFill>
-              </a:rPr>
-              <a:t>UnregisteredVehicle</a:t>
-            </a:r>
-            <a:r>
-              <a:rPr lang="en-US" sz="1800" dirty="0">
-                <a:solidFill>
-                  <a:srgbClr val="0070C0"/>
-                </a:solidFill>
-              </a:rPr>
-              <a:t> </a:t>
-            </a:r>
-            <a:r>
-              <a:rPr lang="en-US" sz="1800" dirty="0" err="1">
-                <a:solidFill>
-                  <a:srgbClr val="0070C0"/>
-                </a:solidFill>
-              </a:rPr>
-              <a:t>String,VehicleYear</a:t>
-            </a:r>
-            <a:r>
-              <a:rPr lang="en-US" sz="1800" dirty="0">
-                <a:solidFill>
-                  <a:srgbClr val="0070C0"/>
-                </a:solidFill>
-              </a:rPr>
-              <a:t> int , </a:t>
-            </a:r>
-            <a:r>
-              <a:rPr lang="en-US" sz="1800" dirty="0" err="1">
-                <a:solidFill>
-                  <a:srgbClr val="0070C0"/>
-                </a:solidFill>
-              </a:rPr>
-              <a:t>MeterNumber</a:t>
-            </a:r>
-            <a:r>
-              <a:rPr lang="en-US" sz="1800" dirty="0">
-                <a:solidFill>
-                  <a:srgbClr val="0070C0"/>
-                </a:solidFill>
-              </a:rPr>
-              <a:t> </a:t>
-            </a:r>
-            <a:r>
-              <a:rPr lang="en-US" sz="1800" dirty="0" err="1">
-                <a:solidFill>
-                  <a:srgbClr val="0070C0"/>
-                </a:solidFill>
-              </a:rPr>
-              <a:t>String,FeetFromCurb</a:t>
-            </a:r>
-            <a:r>
-              <a:rPr lang="en-US" sz="1800" dirty="0">
-                <a:solidFill>
-                  <a:srgbClr val="0070C0"/>
-                </a:solidFill>
-              </a:rPr>
-              <a:t> int , </a:t>
-            </a:r>
-            <a:r>
-              <a:rPr lang="en-US" sz="1800" dirty="0" err="1">
-                <a:solidFill>
-                  <a:srgbClr val="0070C0"/>
-                </a:solidFill>
-              </a:rPr>
-              <a:t>ViolationPostCode</a:t>
-            </a:r>
-            <a:r>
-              <a:rPr lang="en-US" sz="1800" dirty="0">
-                <a:solidFill>
-                  <a:srgbClr val="0070C0"/>
-                </a:solidFill>
-              </a:rPr>
-              <a:t> </a:t>
-            </a:r>
-            <a:r>
-              <a:rPr lang="en-US" sz="1800" dirty="0" err="1">
-                <a:solidFill>
-                  <a:srgbClr val="0070C0"/>
-                </a:solidFill>
-              </a:rPr>
-              <a:t>String,ViolationDescription</a:t>
-            </a:r>
-            <a:r>
-              <a:rPr lang="en-US" sz="1800" dirty="0">
-                <a:solidFill>
-                  <a:srgbClr val="0070C0"/>
-                </a:solidFill>
-              </a:rPr>
-              <a:t> String, </a:t>
-            </a:r>
-            <a:r>
-              <a:rPr lang="en-US" sz="1800" dirty="0" err="1">
-                <a:solidFill>
-                  <a:srgbClr val="0070C0"/>
-                </a:solidFill>
-              </a:rPr>
-              <a:t>NoStandingorStoppingViolation</a:t>
-            </a:r>
-            <a:r>
-              <a:rPr lang="en-US" sz="1800" dirty="0">
-                <a:solidFill>
-                  <a:srgbClr val="0070C0"/>
-                </a:solidFill>
-              </a:rPr>
-              <a:t> </a:t>
-            </a:r>
-            <a:r>
-              <a:rPr lang="en-US" sz="1800" dirty="0" err="1">
-                <a:solidFill>
-                  <a:srgbClr val="0070C0"/>
-                </a:solidFill>
-              </a:rPr>
-              <a:t>String,HydrantViolation</a:t>
-            </a:r>
-            <a:r>
-              <a:rPr lang="en-US" sz="1800" dirty="0">
-                <a:solidFill>
-                  <a:srgbClr val="0070C0"/>
-                </a:solidFill>
-              </a:rPr>
-              <a:t> String, </a:t>
-            </a:r>
-            <a:r>
-              <a:rPr lang="en-US" sz="1800" dirty="0" err="1">
-                <a:solidFill>
-                  <a:srgbClr val="0070C0"/>
-                </a:solidFill>
-              </a:rPr>
-              <a:t>DoubleParkingViolation</a:t>
-            </a:r>
-            <a:r>
-              <a:rPr lang="en-US" sz="1800" dirty="0">
-                <a:solidFill>
-                  <a:srgbClr val="0070C0"/>
-                </a:solidFill>
-              </a:rPr>
-              <a:t> String) COMMENT '</a:t>
-            </a:r>
-            <a:r>
-              <a:rPr lang="en-US" sz="1800" dirty="0" err="1">
-                <a:solidFill>
-                  <a:srgbClr val="0070C0"/>
-                </a:solidFill>
-              </a:rPr>
-              <a:t>parkingviolations</a:t>
-            </a:r>
-            <a:r>
-              <a:rPr lang="en-US" sz="1800" dirty="0">
-                <a:solidFill>
-                  <a:srgbClr val="0070C0"/>
-                </a:solidFill>
-              </a:rPr>
-              <a:t> assignment' ROW FORMAT DELIMITED FIELDS TERMINATED BY ',' LINES TERMINATED BY '\n' </a:t>
-            </a:r>
-            <a:r>
-              <a:rPr lang="en-US" sz="1800" dirty="0" err="1">
-                <a:solidFill>
-                  <a:srgbClr val="0070C0"/>
-                </a:solidFill>
-              </a:rPr>
-              <a:t>tblproperties</a:t>
-            </a:r>
-            <a:r>
-              <a:rPr lang="en-US" sz="1800" dirty="0">
-                <a:solidFill>
-                  <a:srgbClr val="0070C0"/>
-                </a:solidFill>
-              </a:rPr>
-              <a:t>('</a:t>
-            </a:r>
-            <a:r>
-              <a:rPr lang="en-US" sz="1800" dirty="0" err="1">
-                <a:solidFill>
-                  <a:srgbClr val="0070C0"/>
-                </a:solidFill>
-              </a:rPr>
-              <a:t>skip.header.line.count</a:t>
-            </a:r>
-            <a:r>
-              <a:rPr lang="en-US" sz="1800" dirty="0">
-                <a:solidFill>
-                  <a:srgbClr val="0070C0"/>
-                </a:solidFill>
-              </a:rPr>
-              <a:t>'='1');</a:t>
+              <a:t> ;</a:t>
             </a:r>
           </a:p>
         </p:txBody>
@@ -8506,10 +8878,10 @@
       </p:sp>
       <p:pic>
         <p:nvPicPr>
-          <p:cNvPr id="4" name="Picture 3">
-            <a:extLst>
-              <a:ext uri="{FF2B5EF4-FFF2-40B4-BE49-F238E27FC236}">
-                <a16:creationId xmlns:a16="http://schemas.microsoft.com/office/drawing/2014/main" id="{806F4B1D-6BB0-A524-FF7A-AF80CA169166}"/>
+          <p:cNvPr id="3" name="Picture 2">
+            <a:extLst>
+              <a:ext uri="{FF2B5EF4-FFF2-40B4-BE49-F238E27FC236}">
+                <a16:creationId xmlns:a16="http://schemas.microsoft.com/office/drawing/2014/main" id="{D991E7C3-BA11-0B55-6FED-5FD728A751FF}"/>
               </a:ext>
             </a:extLst>
           </p:cNvPr>
@@ -8526,8 +8898,8 @@
         </p:blipFill>
         <p:spPr>
           <a:xfrm>
-            <a:off x="523164" y="819727"/>
-            <a:ext cx="11482316" cy="5699477"/>
+            <a:off x="612249" y="896195"/>
+            <a:ext cx="11279171" cy="5623010"/>
           </a:xfrm>
           <a:prstGeom prst="rect">
             <a:avLst/>
@@ -8865,41 +9237,6 @@
           </a:p>
         </p:txBody>
       </p:sp>
-      <p:pic>
-        <p:nvPicPr>
-          <p:cNvPr id="5" name="Picture 4">
-            <a:extLst>
-              <a:ext uri="{FF2B5EF4-FFF2-40B4-BE49-F238E27FC236}">
-                <a16:creationId xmlns:a16="http://schemas.microsoft.com/office/drawing/2014/main" id="{0AFF9B3E-7156-BA7A-2BF3-01627E2F0539}"/>
-              </a:ext>
-            </a:extLst>
-          </p:cNvPr>
-          <p:cNvPicPr>
-            <a:picLocks noChangeAspect="1"/>
-          </p:cNvPicPr>
-          <p:nvPr/>
-        </p:nvPicPr>
-        <p:blipFill>
-          <a:blip r:embed="rId2"/>
-          <a:stretch>
-            <a:fillRect/>
-          </a:stretch>
-        </p:blipFill>
-        <p:spPr>
-          <a:xfrm>
-            <a:off x="664096" y="2993211"/>
-            <a:ext cx="11286794" cy="3703290"/>
-          </a:xfrm>
-          <a:prstGeom prst="rect">
-            <a:avLst/>
-          </a:prstGeom>
-          <a:ln w="28575">
-            <a:solidFill>
-              <a:schemeClr val="accent1"/>
-            </a:solidFill>
-          </a:ln>
-        </p:spPr>
-      </p:pic>
       <p:sp>
         <p:nvSpPr>
           <p:cNvPr id="3" name="TextBox 2">
@@ -8947,6 +9284,41 @@
           </a:p>
         </p:txBody>
       </p:sp>
+      <p:pic>
+        <p:nvPicPr>
+          <p:cNvPr id="6" name="Picture 5">
+            <a:extLst>
+              <a:ext uri="{FF2B5EF4-FFF2-40B4-BE49-F238E27FC236}">
+                <a16:creationId xmlns:a16="http://schemas.microsoft.com/office/drawing/2014/main" id="{F3F4A9A3-7363-86AC-1381-4EAA7187E68C}"/>
+              </a:ext>
+            </a:extLst>
+          </p:cNvPr>
+          <p:cNvPicPr>
+            <a:picLocks noChangeAspect="1"/>
+          </p:cNvPicPr>
+          <p:nvPr/>
+        </p:nvPicPr>
+        <p:blipFill>
+          <a:blip r:embed="rId2"/>
+          <a:stretch>
+            <a:fillRect/>
+          </a:stretch>
+        </p:blipFill>
+        <p:spPr>
+          <a:xfrm>
+            <a:off x="660197" y="3115703"/>
+            <a:ext cx="11208806" cy="3448870"/>
+          </a:xfrm>
+          <a:prstGeom prst="rect">
+            <a:avLst/>
+          </a:prstGeom>
+          <a:ln w="28575">
+            <a:solidFill>
+              <a:schemeClr val="accent1"/>
+            </a:solidFill>
+          </a:ln>
+        </p:spPr>
+      </p:pic>
     </p:spTree>
     <p:extLst>
       <p:ext uri="{BB962C8B-B14F-4D97-AF65-F5344CB8AC3E}">
@@ -9248,6 +9620,11 @@
           <a:prstGeom prst="rect">
             <a:avLst/>
           </a:prstGeom>
+          <a:ln w="28575">
+            <a:solidFill>
+              <a:schemeClr val="accent1"/>
+            </a:solidFill>
+          </a:ln>
         </p:spPr>
       </p:pic>
     </p:spTree>
@@ -9266,6 +9643,11 @@
 <file path=ppt/slides/slide8.xml><?xml version="1.0" encoding="utf-8"?>
 <p:sld xmlns:a="http://schemas.openxmlformats.org/drawingml/2006/main" xmlns:r="http://schemas.openxmlformats.org/officeDocument/2006/relationships" xmlns:p="http://schemas.openxmlformats.org/presentationml/2006/main">
   <p:cSld>
+    <p:bg>
+      <p:bgRef idx="1001">
+        <a:schemeClr val="bg1"/>
+      </p:bgRef>
+    </p:bg>
     <p:spTree>
       <p:nvGrpSpPr>
         <p:cNvPr id="1" name=""/>
@@ -9334,7 +9716,7 @@
         <p:spPr>
           <a:xfrm>
             <a:off x="582305" y="1110543"/>
-            <a:ext cx="10649801" cy="1200329"/>
+            <a:ext cx="11477767" cy="923330"/>
           </a:xfrm>
           <a:prstGeom prst="rect">
             <a:avLst/>
@@ -9443,13 +9825,6 @@
               </a:rPr>
               <a:t> '^([A-Z])’;</a:t>
             </a:r>
-          </a:p>
-          <a:p>
-            <a:endParaRPr lang="en-US" b="1" dirty="0">
-              <a:solidFill>
-                <a:srgbClr val="0070C0"/>
-              </a:solidFill>
-            </a:endParaRPr>
           </a:p>
           <a:p>
             <a:r>
@@ -9538,7 +9913,7 @@
           <p:nvPr/>
         </p:nvPicPr>
         <p:blipFill>
-          <a:blip r:embed="rId2"/>
+          <a:blip r:embed="rId3"/>
           <a:stretch>
             <a:fillRect/>
           </a:stretch>
@@ -9551,6 +9926,11 @@
           <a:prstGeom prst="rect">
             <a:avLst/>
           </a:prstGeom>
+          <a:ln w="28575">
+            <a:solidFill>
+              <a:schemeClr val="accent1"/>
+            </a:solidFill>
+          </a:ln>
         </p:spPr>
       </p:pic>
       <p:pic>
@@ -9568,19 +9948,24 @@
           <p:nvPr/>
         </p:nvPicPr>
         <p:blipFill>
-          <a:blip r:embed="rId3"/>
+          <a:blip r:embed="rId4"/>
           <a:stretch>
             <a:fillRect/>
           </a:stretch>
         </p:blipFill>
         <p:spPr>
           <a:xfrm>
-            <a:off x="6318738" y="2681789"/>
-            <a:ext cx="4713378" cy="3894157"/>
+            <a:off x="6321188" y="2681789"/>
+            <a:ext cx="5454731" cy="3894157"/>
           </a:xfrm>
           <a:prstGeom prst="rect">
             <a:avLst/>
           </a:prstGeom>
+          <a:ln w="28575">
+            <a:solidFill>
+              <a:schemeClr val="accent1"/>
+            </a:solidFill>
+          </a:ln>
         </p:spPr>
       </p:pic>
     </p:spTree>
@@ -9591,7 +9976,7 @@
     </p:extLst>
   </p:cSld>
   <p:clrMapOvr>
-    <a:masterClrMapping/>
+    <a:overrideClrMapping bg1="lt1" tx1="dk1" bg2="lt2" tx2="dk2" accent1="accent1" accent2="accent2" accent3="accent3" accent4="accent4" accent5="accent5" accent6="accent6" hlink="hlink" folHlink="folHlink"/>
   </p:clrMapOvr>
 </p:sld>
 </file>
@@ -9833,9 +10218,7 @@
           </a:prstGeom>
           <a:ln w="28575">
             <a:solidFill>
-              <a:schemeClr val="accent5">
-                <a:lumMod val="50000"/>
-              </a:schemeClr>
+              <a:schemeClr val="accent1"/>
             </a:solidFill>
           </a:ln>
         </p:spPr>
@@ -10146,4 +10529,47 @@
     </a:ext>
   </a:extLst>
 </a:theme>
+</file>
+
+<file path=ppt/theme/themeOverride1.xml><?xml version="1.0" encoding="utf-8"?>
+<a:themeOverride xmlns:a="http://schemas.openxmlformats.org/drawingml/2006/main">
+  <a:clrScheme name="Office">
+    <a:dk1>
+      <a:sysClr val="windowText" lastClr="000000"/>
+    </a:dk1>
+    <a:lt1>
+      <a:sysClr val="window" lastClr="FFFFFF"/>
+    </a:lt1>
+    <a:dk2>
+      <a:srgbClr val="44546A"/>
+    </a:dk2>
+    <a:lt2>
+      <a:srgbClr val="E7E6E6"/>
+    </a:lt2>
+    <a:accent1>
+      <a:srgbClr val="4472C4"/>
+    </a:accent1>
+    <a:accent2>
+      <a:srgbClr val="ED7D31"/>
+    </a:accent2>
+    <a:accent3>
+      <a:srgbClr val="A5A5A5"/>
+    </a:accent3>
+    <a:accent4>
+      <a:srgbClr val="FFC000"/>
+    </a:accent4>
+    <a:accent5>
+      <a:srgbClr val="5B9BD5"/>
+    </a:accent5>
+    <a:accent6>
+      <a:srgbClr val="70AD47"/>
+    </a:accent6>
+    <a:hlink>
+      <a:srgbClr val="0563C1"/>
+    </a:hlink>
+    <a:folHlink>
+      <a:srgbClr val="954F72"/>
+    </a:folHlink>
+  </a:clrScheme>
+</a:themeOverride>
 </file>